--- a/PROJECT DOCUMENTS/Powerpoint Presentation..pptx
+++ b/PROJECT DOCUMENTS/Powerpoint Presentation..pptx
@@ -111,6 +111,11 @@
       </a:defRPr>
     </a:lvl9pPr>
   </p:defaultTextStyle>
+  <p:extLst>
+    <p:ext uri="{EFAFB233-063F-42B5-8137-9DF3F51BA10A}">
+      <p15:sldGuideLst xmlns:p15="http://schemas.microsoft.com/office/powerpoint/2012/main"/>
+    </p:ext>
+  </p:extLst>
 </p:presentation>
 </file>
 
@@ -247,7 +252,7 @@
           <a:p>
             <a:fld id="{48A87A34-81AB-432B-8DAE-1953F412C126}" type="datetimeFigureOut">
               <a:rPr lang="en-US" dirty="0"/>
-              <a:t>6/12/2022</a:t>
+              <a:t>9/13/2022</a:t>
             </a:fld>
             <a:endParaRPr lang="en-US" dirty="0"/>
           </a:p>
@@ -529,7 +534,7 @@
           <a:p>
             <a:fld id="{48A87A34-81AB-432B-8DAE-1953F412C126}" type="datetimeFigureOut">
               <a:rPr lang="en-US" dirty="0"/>
-              <a:t>6/12/2022</a:t>
+              <a:t>9/13/2022</a:t>
             </a:fld>
             <a:endParaRPr lang="en-US" dirty="0"/>
           </a:p>
@@ -716,7 +721,7 @@
           <a:p>
             <a:fld id="{48A87A34-81AB-432B-8DAE-1953F412C126}" type="datetimeFigureOut">
               <a:rPr lang="en-US" dirty="0"/>
-              <a:t>6/12/2022</a:t>
+              <a:t>9/13/2022</a:t>
             </a:fld>
             <a:endParaRPr lang="en-US" dirty="0"/>
           </a:p>
@@ -972,7 +977,7 @@
           <a:p>
             <a:fld id="{48A87A34-81AB-432B-8DAE-1953F412C126}" type="datetimeFigureOut">
               <a:rPr lang="en-US" dirty="0"/>
-              <a:t>6/12/2022</a:t>
+              <a:t>9/13/2022</a:t>
             </a:fld>
             <a:endParaRPr lang="en-US" dirty="0"/>
           </a:p>
@@ -1391,7 +1396,7 @@
           <a:p>
             <a:fld id="{48A87A34-81AB-432B-8DAE-1953F412C126}" type="datetimeFigureOut">
               <a:rPr lang="en-US" dirty="0"/>
-              <a:t>6/12/2022</a:t>
+              <a:t>9/13/2022</a:t>
             </a:fld>
             <a:endParaRPr lang="en-US" dirty="0"/>
           </a:p>
@@ -1932,7 +1937,7 @@
           <a:p>
             <a:fld id="{48A87A34-81AB-432B-8DAE-1953F412C126}" type="datetimeFigureOut">
               <a:rPr lang="en-US" dirty="0"/>
-              <a:t>6/12/2022</a:t>
+              <a:t>9/13/2022</a:t>
             </a:fld>
             <a:endParaRPr lang="en-US" dirty="0"/>
           </a:p>
@@ -2767,7 +2772,7 @@
           <a:p>
             <a:fld id="{48A87A34-81AB-432B-8DAE-1953F412C126}" type="datetimeFigureOut">
               <a:rPr lang="en-US" dirty="0"/>
-              <a:t>6/12/2022</a:t>
+              <a:t>9/13/2022</a:t>
             </a:fld>
             <a:endParaRPr lang="en-US" dirty="0"/>
           </a:p>
@@ -2932,7 +2937,7 @@
           <a:p>
             <a:fld id="{48A87A34-81AB-432B-8DAE-1953F412C126}" type="datetimeFigureOut">
               <a:rPr lang="en-US" dirty="0"/>
-              <a:t>6/12/2022</a:t>
+              <a:t>9/13/2022</a:t>
             </a:fld>
             <a:endParaRPr lang="en-US" dirty="0"/>
           </a:p>
@@ -3111,7 +3116,7 @@
           <a:p>
             <a:fld id="{48A87A34-81AB-432B-8DAE-1953F412C126}" type="datetimeFigureOut">
               <a:rPr lang="en-US" dirty="0"/>
-              <a:t>6/12/2022</a:t>
+              <a:t>9/13/2022</a:t>
             </a:fld>
             <a:endParaRPr lang="en-US" dirty="0"/>
           </a:p>
@@ -3276,7 +3281,7 @@
           <a:p>
             <a:fld id="{48A87A34-81AB-432B-8DAE-1953F412C126}" type="datetimeFigureOut">
               <a:rPr lang="en-US" dirty="0"/>
-              <a:t>6/12/2022</a:t>
+              <a:t>9/13/2022</a:t>
             </a:fld>
             <a:endParaRPr lang="en-US" dirty="0"/>
           </a:p>
@@ -3519,7 +3524,7 @@
           <a:p>
             <a:fld id="{48A87A34-81AB-432B-8DAE-1953F412C126}" type="datetimeFigureOut">
               <a:rPr lang="en-US" dirty="0"/>
-              <a:t>6/12/2022</a:t>
+              <a:t>9/13/2022</a:t>
             </a:fld>
             <a:endParaRPr lang="en-US" dirty="0"/>
           </a:p>
@@ -3751,7 +3756,7 @@
           <a:p>
             <a:fld id="{48A87A34-81AB-432B-8DAE-1953F412C126}" type="datetimeFigureOut">
               <a:rPr lang="en-US" dirty="0"/>
-              <a:t>6/12/2022</a:t>
+              <a:t>9/13/2022</a:t>
             </a:fld>
             <a:endParaRPr lang="en-US" dirty="0"/>
           </a:p>
@@ -4119,7 +4124,7 @@
           <a:p>
             <a:fld id="{48A87A34-81AB-432B-8DAE-1953F412C126}" type="datetimeFigureOut">
               <a:rPr lang="en-US" dirty="0"/>
-              <a:t>6/12/2022</a:t>
+              <a:t>9/13/2022</a:t>
             </a:fld>
             <a:endParaRPr lang="en-US" dirty="0"/>
           </a:p>
@@ -4232,7 +4237,7 @@
           <a:p>
             <a:fld id="{48A87A34-81AB-432B-8DAE-1953F412C126}" type="datetimeFigureOut">
               <a:rPr lang="en-US" dirty="0"/>
-              <a:t>6/12/2022</a:t>
+              <a:t>9/13/2022</a:t>
             </a:fld>
             <a:endParaRPr lang="en-US" dirty="0"/>
           </a:p>
@@ -4322,7 +4327,7 @@
           <a:p>
             <a:fld id="{48A87A34-81AB-432B-8DAE-1953F412C126}" type="datetimeFigureOut">
               <a:rPr lang="en-US" dirty="0"/>
-              <a:t>6/12/2022</a:t>
+              <a:t>9/13/2022</a:t>
             </a:fld>
             <a:endParaRPr lang="en-US" dirty="0"/>
           </a:p>
@@ -4568,7 +4573,7 @@
           <a:p>
             <a:fld id="{48A87A34-81AB-432B-8DAE-1953F412C126}" type="datetimeFigureOut">
               <a:rPr lang="en-US" dirty="0"/>
-              <a:t>6/12/2022</a:t>
+              <a:t>9/13/2022</a:t>
             </a:fld>
             <a:endParaRPr lang="en-US" dirty="0"/>
           </a:p>
@@ -4850,7 +4855,7 @@
           <a:p>
             <a:fld id="{48A87A34-81AB-432B-8DAE-1953F412C126}" type="datetimeFigureOut">
               <a:rPr lang="en-US" dirty="0"/>
-              <a:t>6/12/2022</a:t>
+              <a:t>9/13/2022</a:t>
             </a:fld>
             <a:endParaRPr lang="en-US" dirty="0"/>
           </a:p>
@@ -5059,7 +5064,7 @@
             <a:fld id="{48A87A34-81AB-432B-8DAE-1953F412C126}" type="datetimeFigureOut">
               <a:rPr lang="en-US" dirty="0"/>
               <a:pPr/>
-              <a:t>6/12/2022</a:t>
+              <a:t>9/13/2022</a:t>
             </a:fld>
             <a:endParaRPr lang="en-US" dirty="0"/>
           </a:p>
@@ -5690,7 +5695,15 @@
           <a:p>
             <a:r>
               <a:rPr lang="en-US" dirty="0" smtClean="0"/>
-              <a:t>This project will deal about the development of a web based system which will enable small scale retailers to sell their products to those who are close to them. It will focus on the smallest business personnel out there.</a:t>
+              <a:t>This </a:t>
+            </a:r>
+            <a:r>
+              <a:rPr lang="en-US" dirty="0" smtClean="0"/>
+              <a:t>project deals with </a:t>
+            </a:r>
+            <a:r>
+              <a:rPr lang="en-US" dirty="0" smtClean="0"/>
+              <a:t>the development of a web based system which will enable small scale retailers to sell their products to those who are close to them. It will focus on the smallest business personnel out there.</a:t>
             </a:r>
             <a:endParaRPr lang="en-US" dirty="0"/>
           </a:p>
@@ -6127,10 +6140,10 @@
           <a:lstStyle/>
           <a:p>
             <a:r>
-              <a:rPr lang="en-US" dirty="0">
+              <a:rPr lang="en-US" dirty="0" smtClean="0">
                 <a:effectLst/>
               </a:rPr>
-              <a:t>Justification</a:t>
+              <a:t>MODULES DONE</a:t>
             </a:r>
             <a:endParaRPr lang="en-US" dirty="0"/>
           </a:p>
@@ -6146,17 +6159,95 @@
             <p:ph idx="1"/>
           </p:nvPr>
         </p:nvSpPr>
-        <p:spPr/>
-        <p:txBody>
-          <a:bodyPr/>
-          <a:lstStyle/>
-          <a:p>
-            <a:r>
-              <a:rPr lang="en-US" dirty="0">
-                <a:effectLst/>
+        <p:spPr>
+          <a:xfrm>
+            <a:off x="913795" y="1690255"/>
+            <a:ext cx="10488496" cy="4502727"/>
+          </a:xfrm>
+        </p:spPr>
+        <p:txBody>
+          <a:bodyPr>
+            <a:normAutofit lnSpcReduction="10000"/>
+          </a:bodyPr>
+          <a:lstStyle/>
+          <a:p>
+            <a:r>
+              <a:rPr lang="en-US" dirty="0" smtClean="0"/>
+              <a:t>Authentication</a:t>
+            </a:r>
+          </a:p>
+          <a:p>
+            <a:r>
+              <a:rPr lang="en-US" dirty="0" smtClean="0"/>
+              <a:t>Geolocation distance algorithm</a:t>
+            </a:r>
+          </a:p>
+          <a:p>
+            <a:r>
+              <a:rPr lang="en-US" dirty="0" smtClean="0"/>
+              <a:t>Cart module (Adding and Removing from cart)</a:t>
+            </a:r>
+          </a:p>
+          <a:p>
+            <a:r>
+              <a:rPr lang="en-US" dirty="0" smtClean="0"/>
+              <a:t>Chat Module</a:t>
+            </a:r>
+          </a:p>
+          <a:p>
+            <a:r>
+              <a:rPr lang="en-US" dirty="0" smtClean="0"/>
+              <a:t>Creating of Business Account Module</a:t>
+            </a:r>
+          </a:p>
+          <a:p>
+            <a:r>
+              <a:rPr lang="en-US" dirty="0" smtClean="0"/>
+              <a:t>Creation of adverts from the business account</a:t>
+            </a:r>
+          </a:p>
+          <a:p>
+            <a:r>
+              <a:rPr lang="en-US" dirty="0" smtClean="0"/>
+              <a:t>Changing of Advert coordinates for mobile traders</a:t>
+            </a:r>
+          </a:p>
+          <a:p>
+            <a:r>
+              <a:rPr lang="en-US" dirty="0" smtClean="0"/>
+              <a:t>Editing and Deleting adverts by sellers from their accounts</a:t>
+            </a:r>
+          </a:p>
+          <a:p>
+            <a:pPr marL="0" indent="0">
+              <a:buNone/>
+            </a:pPr>
+            <a:r>
+              <a:rPr lang="en-US" dirty="0" smtClean="0">
+                <a:solidFill>
+                  <a:schemeClr val="accent6">
+                    <a:lumMod val="75000"/>
+                  </a:schemeClr>
+                </a:solidFill>
               </a:rPr>
-              <a:t>To be able to transform the smallest businesses in the society and be able to enable them to enjoy the growth in technology, there is a need to develop this system and provide them with a better platform that fits the size of their market rather than leaving them behind as if they don’t matter.</a:t>
-            </a:r>
+              <a:t>DOMAIN : </a:t>
+            </a:r>
+            <a:r>
+              <a:rPr lang="en-US" sz="3200" dirty="0" err="1" smtClean="0">
+                <a:solidFill>
+                  <a:srgbClr val="FF0000"/>
+                </a:solidFill>
+              </a:rPr>
+              <a:t>locationbasedecommerce.xyz</a:t>
+            </a:r>
+            <a:endParaRPr lang="en-US" sz="3200" dirty="0" smtClean="0">
+              <a:solidFill>
+                <a:srgbClr val="FF0000"/>
+              </a:solidFill>
+            </a:endParaRPr>
+          </a:p>
+          <a:p>
+            <a:endParaRPr lang="en-US" dirty="0" smtClean="0"/>
           </a:p>
           <a:p>
             <a:endParaRPr lang="en-US" dirty="0"/>
@@ -6209,42 +6300,63 @@
           <a:lstStyle/>
           <a:p>
             <a:r>
-              <a:rPr lang="en-US" dirty="0">
-                <a:effectLst/>
-              </a:rPr>
-              <a:t>Scope</a:t>
-            </a:r>
-            <a:endParaRPr lang="en-US" dirty="0"/>
-          </a:p>
-        </p:txBody>
-      </p:sp>
-      <p:sp>
-        <p:nvSpPr>
-          <p:cNvPr id="3" name="Content Placeholder 2"/>
-          <p:cNvSpPr>
-            <a:spLocks noGrp="1"/>
-          </p:cNvSpPr>
-          <p:nvPr>
-            <p:ph idx="1"/>
-          </p:nvPr>
-        </p:nvSpPr>
-        <p:spPr/>
-        <p:txBody>
-          <a:bodyPr/>
-          <a:lstStyle/>
-          <a:p>
-            <a:r>
-              <a:rPr lang="en-US" dirty="0">
-                <a:effectLst/>
-              </a:rPr>
-              <a:t>This project is expected to take roughly six months. The main areas of implementation are the authentication section, the geolocation algorithm, the chat section for the buyer and seller to communicate, and the payment system API integration in the website</a:t>
-            </a:r>
-            <a:r>
               <a:rPr lang="en-US" dirty="0" smtClean="0">
                 <a:effectLst/>
               </a:rPr>
-              <a:t>.</a:t>
-            </a:r>
+              <a:t>REMAINING MODULES</a:t>
+            </a:r>
+            <a:endParaRPr lang="en-US" dirty="0"/>
+          </a:p>
+        </p:txBody>
+      </p:sp>
+      <p:sp>
+        <p:nvSpPr>
+          <p:cNvPr id="3" name="Content Placeholder 2"/>
+          <p:cNvSpPr>
+            <a:spLocks noGrp="1"/>
+          </p:cNvSpPr>
+          <p:nvPr>
+            <p:ph idx="1"/>
+          </p:nvPr>
+        </p:nvSpPr>
+        <p:spPr/>
+        <p:txBody>
+          <a:bodyPr/>
+          <a:lstStyle/>
+          <a:p>
+            <a:r>
+              <a:rPr lang="en-US" dirty="0" smtClean="0">
+                <a:effectLst/>
+              </a:rPr>
+              <a:t>Payment module</a:t>
+            </a:r>
+          </a:p>
+          <a:p>
+            <a:r>
+              <a:rPr lang="en-US" dirty="0" smtClean="0">
+                <a:effectLst/>
+              </a:rPr>
+              <a:t>Displaying orders to sellers after complete ordering</a:t>
+            </a:r>
+          </a:p>
+          <a:p>
+            <a:r>
+              <a:rPr lang="en-US" dirty="0" smtClean="0">
+                <a:effectLst/>
+              </a:rPr>
+              <a:t>UI design, making it </a:t>
+            </a:r>
+            <a:r>
+              <a:rPr lang="en-US" dirty="0" smtClean="0">
+                <a:effectLst/>
+              </a:rPr>
+              <a:t>have a good user experience enough.</a:t>
+            </a:r>
+          </a:p>
+          <a:p>
+            <a:pPr marL="0" indent="0">
+              <a:buNone/>
+            </a:pPr>
             <a:endParaRPr lang="en-US" dirty="0">
               <a:effectLst/>
             </a:endParaRPr>
